--- a/verslag/assignment2/images/overview_with_numbers.pptx
+++ b/verslag/assignment2/images/overview_with_numbers.pptx
@@ -104,6 +104,11 @@
       </a:defRPr>
     </a:lvl9pPr>
   </p:defaultTextStyle>
+  <p:extLst>
+    <p:ext uri="{EFAFB233-063F-42B5-8137-9DF3F51BA10A}">
+      <p15:sldGuideLst xmlns:p15="http://schemas.microsoft.com/office/powerpoint/2012/main"/>
+    </p:ext>
+  </p:extLst>
 </p:presentation>
 </file>
 
@@ -256,7 +261,7 @@
           <a:p>
             <a:fld id="{CBFD4959-ECD2-4025-92FC-069387862827}" type="datetimeFigureOut">
               <a:rPr lang="en-NL" smtClean="0"/>
-              <a:t>21/01/2019</a:t>
+              <a:t>24/01/2019</a:t>
             </a:fld>
             <a:endParaRPr lang="en-NL"/>
           </a:p>
@@ -456,7 +461,7 @@
           <a:p>
             <a:fld id="{CBFD4959-ECD2-4025-92FC-069387862827}" type="datetimeFigureOut">
               <a:rPr lang="en-NL" smtClean="0"/>
-              <a:t>21/01/2019</a:t>
+              <a:t>24/01/2019</a:t>
             </a:fld>
             <a:endParaRPr lang="en-NL"/>
           </a:p>
@@ -666,7 +671,7 @@
           <a:p>
             <a:fld id="{CBFD4959-ECD2-4025-92FC-069387862827}" type="datetimeFigureOut">
               <a:rPr lang="en-NL" smtClean="0"/>
-              <a:t>21/01/2019</a:t>
+              <a:t>24/01/2019</a:t>
             </a:fld>
             <a:endParaRPr lang="en-NL"/>
           </a:p>
@@ -866,7 +871,7 @@
           <a:p>
             <a:fld id="{CBFD4959-ECD2-4025-92FC-069387862827}" type="datetimeFigureOut">
               <a:rPr lang="en-NL" smtClean="0"/>
-              <a:t>21/01/2019</a:t>
+              <a:t>24/01/2019</a:t>
             </a:fld>
             <a:endParaRPr lang="en-NL"/>
           </a:p>
@@ -1142,7 +1147,7 @@
           <a:p>
             <a:fld id="{CBFD4959-ECD2-4025-92FC-069387862827}" type="datetimeFigureOut">
               <a:rPr lang="en-NL" smtClean="0"/>
-              <a:t>21/01/2019</a:t>
+              <a:t>24/01/2019</a:t>
             </a:fld>
             <a:endParaRPr lang="en-NL"/>
           </a:p>
@@ -1410,7 +1415,7 @@
           <a:p>
             <a:fld id="{CBFD4959-ECD2-4025-92FC-069387862827}" type="datetimeFigureOut">
               <a:rPr lang="en-NL" smtClean="0"/>
-              <a:t>21/01/2019</a:t>
+              <a:t>24/01/2019</a:t>
             </a:fld>
             <a:endParaRPr lang="en-NL"/>
           </a:p>
@@ -1825,7 +1830,7 @@
           <a:p>
             <a:fld id="{CBFD4959-ECD2-4025-92FC-069387862827}" type="datetimeFigureOut">
               <a:rPr lang="en-NL" smtClean="0"/>
-              <a:t>21/01/2019</a:t>
+              <a:t>24/01/2019</a:t>
             </a:fld>
             <a:endParaRPr lang="en-NL"/>
           </a:p>
@@ -1967,7 +1972,7 @@
           <a:p>
             <a:fld id="{CBFD4959-ECD2-4025-92FC-069387862827}" type="datetimeFigureOut">
               <a:rPr lang="en-NL" smtClean="0"/>
-              <a:t>21/01/2019</a:t>
+              <a:t>24/01/2019</a:t>
             </a:fld>
             <a:endParaRPr lang="en-NL"/>
           </a:p>
@@ -2080,7 +2085,7 @@
           <a:p>
             <a:fld id="{CBFD4959-ECD2-4025-92FC-069387862827}" type="datetimeFigureOut">
               <a:rPr lang="en-NL" smtClean="0"/>
-              <a:t>21/01/2019</a:t>
+              <a:t>24/01/2019</a:t>
             </a:fld>
             <a:endParaRPr lang="en-NL"/>
           </a:p>
@@ -2393,7 +2398,7 @@
           <a:p>
             <a:fld id="{CBFD4959-ECD2-4025-92FC-069387862827}" type="datetimeFigureOut">
               <a:rPr lang="en-NL" smtClean="0"/>
-              <a:t>21/01/2019</a:t>
+              <a:t>24/01/2019</a:t>
             </a:fld>
             <a:endParaRPr lang="en-NL"/>
           </a:p>
@@ -2682,7 +2687,7 @@
           <a:p>
             <a:fld id="{CBFD4959-ECD2-4025-92FC-069387862827}" type="datetimeFigureOut">
               <a:rPr lang="en-NL" smtClean="0"/>
-              <a:t>21/01/2019</a:t>
+              <a:t>24/01/2019</a:t>
             </a:fld>
             <a:endParaRPr lang="en-NL"/>
           </a:p>
@@ -2925,7 +2930,7 @@
           <a:p>
             <a:fld id="{CBFD4959-ECD2-4025-92FC-069387862827}" type="datetimeFigureOut">
               <a:rPr lang="en-NL" smtClean="0"/>
-              <a:t>21/01/2019</a:t>
+              <a:t>24/01/2019</a:t>
             </a:fld>
             <a:endParaRPr lang="en-NL"/>
           </a:p>
@@ -3344,10 +3349,10 @@
       </p:grpSpPr>
       <p:pic>
         <p:nvPicPr>
-          <p:cNvPr id="4" name="Picture 3">
-            <a:extLst>
-              <a:ext uri="{FF2B5EF4-FFF2-40B4-BE49-F238E27FC236}">
-                <a16:creationId xmlns:a16="http://schemas.microsoft.com/office/drawing/2014/main" id="{F1B07BD1-EB54-496E-8EF5-FE1594AAF4FD}"/>
+          <p:cNvPr id="3" name="Picture 2">
+            <a:extLst>
+              <a:ext uri="{FF2B5EF4-FFF2-40B4-BE49-F238E27FC236}">
+                <a16:creationId xmlns:a16="http://schemas.microsoft.com/office/drawing/2014/main" id="{63F8B5B3-E1AD-4DD7-A4AC-BB2B3925C3F5}"/>
               </a:ext>
             </a:extLst>
           </p:cNvPr>
@@ -3357,15 +3362,21 @@
           <p:nvPr/>
         </p:nvPicPr>
         <p:blipFill>
-          <a:blip r:embed="rId2"/>
+          <a:blip r:embed="rId2">
+            <a:extLst>
+              <a:ext uri="{28A0092B-C50C-407E-A947-70E740481C1C}">
+                <a14:useLocalDpi xmlns:a14="http://schemas.microsoft.com/office/drawing/2010/main" val="0"/>
+              </a:ext>
+            </a:extLst>
+          </a:blip>
           <a:stretch>
             <a:fillRect/>
           </a:stretch>
         </p:blipFill>
         <p:spPr>
           <a:xfrm>
-            <a:off x="1527414" y="910371"/>
-            <a:ext cx="9137172" cy="5037257"/>
+            <a:off x="285750" y="757150"/>
+            <a:ext cx="11551116" cy="6012261"/>
           </a:xfrm>
           <a:prstGeom prst="rect">
             <a:avLst/>
@@ -3514,7 +3525,7 @@
         </p:nvSpPr>
         <p:spPr>
           <a:xfrm>
-            <a:off x="9640357" y="536895"/>
+            <a:off x="10890317" y="362472"/>
             <a:ext cx="260057" cy="251669"/>
           </a:xfrm>
           <a:prstGeom prst="ellipse">
@@ -3555,134 +3566,6 @@
                 </a:solidFill>
               </a:rPr>
               <a:t>3</a:t>
-            </a:r>
-            <a:endParaRPr lang="en-NL" dirty="0">
-              <a:solidFill>
-                <a:schemeClr val="tx1"/>
-              </a:solidFill>
-            </a:endParaRPr>
-          </a:p>
-        </p:txBody>
-      </p:sp>
-      <p:sp>
-        <p:nvSpPr>
-          <p:cNvPr id="9" name="Oval 8">
-            <a:extLst>
-              <a:ext uri="{FF2B5EF4-FFF2-40B4-BE49-F238E27FC236}">
-                <a16:creationId xmlns:a16="http://schemas.microsoft.com/office/drawing/2014/main" id="{BDCBBC4D-1154-484D-9FC1-D5C570B03B2A}"/>
-              </a:ext>
-            </a:extLst>
-          </p:cNvPr>
-          <p:cNvSpPr/>
-          <p:nvPr/>
-        </p:nvSpPr>
-        <p:spPr>
-          <a:xfrm>
-            <a:off x="11378740" y="2028738"/>
-            <a:ext cx="260057" cy="251669"/>
-          </a:xfrm>
-          <a:prstGeom prst="ellipse">
-            <a:avLst/>
-          </a:prstGeom>
-          <a:noFill/>
-          <a:ln>
-            <a:solidFill>
-              <a:schemeClr val="tx1"/>
-            </a:solidFill>
-          </a:ln>
-        </p:spPr>
-        <p:style>
-          <a:lnRef idx="2">
-            <a:schemeClr val="accent1">
-              <a:shade val="50000"/>
-            </a:schemeClr>
-          </a:lnRef>
-          <a:fillRef idx="1">
-            <a:schemeClr val="accent1"/>
-          </a:fillRef>
-          <a:effectRef idx="0">
-            <a:schemeClr val="accent1"/>
-          </a:effectRef>
-          <a:fontRef idx="minor">
-            <a:schemeClr val="lt1"/>
-          </a:fontRef>
-        </p:style>
-        <p:txBody>
-          <a:bodyPr rtlCol="0" anchor="ctr"/>
-          <a:lstStyle/>
-          <a:p>
-            <a:pPr algn="ctr"/>
-            <a:r>
-              <a:rPr lang="en-US" dirty="0">
-                <a:solidFill>
-                  <a:schemeClr val="tx1"/>
-                </a:solidFill>
-              </a:rPr>
-              <a:t>4</a:t>
-            </a:r>
-            <a:endParaRPr lang="en-NL" dirty="0">
-              <a:solidFill>
-                <a:schemeClr val="tx1"/>
-              </a:solidFill>
-            </a:endParaRPr>
-          </a:p>
-        </p:txBody>
-      </p:sp>
-      <p:sp>
-        <p:nvSpPr>
-          <p:cNvPr id="10" name="Oval 9">
-            <a:extLst>
-              <a:ext uri="{FF2B5EF4-FFF2-40B4-BE49-F238E27FC236}">
-                <a16:creationId xmlns:a16="http://schemas.microsoft.com/office/drawing/2014/main" id="{2467168D-F8F9-4BF9-89AE-37D629B8E85C}"/>
-              </a:ext>
-            </a:extLst>
-          </p:cNvPr>
-          <p:cNvSpPr/>
-          <p:nvPr/>
-        </p:nvSpPr>
-        <p:spPr>
-          <a:xfrm>
-            <a:off x="11274960" y="4771940"/>
-            <a:ext cx="260057" cy="251669"/>
-          </a:xfrm>
-          <a:prstGeom prst="ellipse">
-            <a:avLst/>
-          </a:prstGeom>
-          <a:noFill/>
-          <a:ln>
-            <a:solidFill>
-              <a:schemeClr val="tx1"/>
-            </a:solidFill>
-          </a:ln>
-        </p:spPr>
-        <p:style>
-          <a:lnRef idx="2">
-            <a:schemeClr val="accent1">
-              <a:shade val="50000"/>
-            </a:schemeClr>
-          </a:lnRef>
-          <a:fillRef idx="1">
-            <a:schemeClr val="accent1"/>
-          </a:fillRef>
-          <a:effectRef idx="0">
-            <a:schemeClr val="accent1"/>
-          </a:effectRef>
-          <a:fontRef idx="minor">
-            <a:schemeClr val="lt1"/>
-          </a:fontRef>
-        </p:style>
-        <p:txBody>
-          <a:bodyPr rtlCol="0" anchor="ctr"/>
-          <a:lstStyle/>
-          <a:p>
-            <a:pPr algn="ctr"/>
-            <a:r>
-              <a:rPr lang="en-US" dirty="0">
-                <a:solidFill>
-                  <a:schemeClr val="tx1"/>
-                </a:solidFill>
-              </a:rPr>
-              <a:t>5</a:t>
             </a:r>
             <a:endParaRPr lang="en-NL" dirty="0">
               <a:solidFill>
@@ -3802,8 +3685,8 @@
         </p:nvSpPr>
         <p:spPr>
           <a:xfrm>
-            <a:off x="2534873" y="3056388"/>
-            <a:ext cx="3724712" cy="1456889"/>
+            <a:off x="2216091" y="3285154"/>
+            <a:ext cx="3724712" cy="1949575"/>
           </a:xfrm>
           <a:prstGeom prst="rect">
             <a:avLst/>
@@ -3851,13 +3734,15 @@
           </p:cNvPr>
           <p:cNvCxnSpPr>
             <a:cxnSpLocks/>
+            <a:stCxn id="7" idx="6"/>
+            <a:endCxn id="14" idx="1"/>
           </p:cNvCxnSpPr>
           <p:nvPr/>
         </p:nvCxnSpPr>
         <p:spPr>
           <a:xfrm>
-            <a:off x="967208" y="3285155"/>
-            <a:ext cx="1567665" cy="499677"/>
+            <a:off x="1009470" y="3303165"/>
+            <a:ext cx="1206621" cy="956777"/>
           </a:xfrm>
           <a:prstGeom prst="line">
             <a:avLst/>
@@ -3899,7 +3784,7 @@
         <p:spPr>
           <a:xfrm>
             <a:off x="7302198" y="1712147"/>
-            <a:ext cx="1674021" cy="1658270"/>
+            <a:ext cx="4534668" cy="4546040"/>
           </a:xfrm>
           <a:prstGeom prst="rect">
             <a:avLst/>
@@ -3948,371 +3833,14 @@
           <p:cNvCxnSpPr>
             <a:cxnSpLocks/>
             <a:stCxn id="8" idx="2"/>
+            <a:endCxn id="18" idx="0"/>
           </p:cNvCxnSpPr>
           <p:nvPr/>
         </p:nvCxnSpPr>
         <p:spPr>
           <a:xfrm flipH="1">
-            <a:off x="8135226" y="662730"/>
-            <a:ext cx="1505131" cy="1015067"/>
-          </a:xfrm>
-          <a:prstGeom prst="line">
-            <a:avLst/>
-          </a:prstGeom>
-          <a:ln>
-            <a:solidFill>
-              <a:schemeClr val="tx1"/>
-            </a:solidFill>
-            <a:prstDash val="sysDash"/>
-          </a:ln>
-        </p:spPr>
-        <p:style>
-          <a:lnRef idx="1">
-            <a:schemeClr val="accent1"/>
-          </a:lnRef>
-          <a:fillRef idx="0">
-            <a:schemeClr val="accent1"/>
-          </a:fillRef>
-          <a:effectRef idx="0">
-            <a:schemeClr val="accent1"/>
-          </a:effectRef>
-          <a:fontRef idx="minor">
-            <a:schemeClr val="tx1"/>
-          </a:fontRef>
-        </p:style>
-      </p:cxnSp>
-      <p:sp>
-        <p:nvSpPr>
-          <p:cNvPr id="22" name="Rectangle 21">
-            <a:extLst>
-              <a:ext uri="{FF2B5EF4-FFF2-40B4-BE49-F238E27FC236}">
-                <a16:creationId xmlns:a16="http://schemas.microsoft.com/office/drawing/2014/main" id="{BEA0CCF3-4BC6-4D30-8DB1-C5F688E58721}"/>
-              </a:ext>
-            </a:extLst>
-          </p:cNvPr>
-          <p:cNvSpPr/>
-          <p:nvPr/>
-        </p:nvSpPr>
-        <p:spPr>
-          <a:xfrm>
-            <a:off x="8990987" y="1712147"/>
-            <a:ext cx="1681988" cy="1658270"/>
-          </a:xfrm>
-          <a:prstGeom prst="rect">
-            <a:avLst/>
-          </a:prstGeom>
-          <a:noFill/>
-          <a:ln w="3175">
-            <a:solidFill>
-              <a:schemeClr val="tx1"/>
-            </a:solidFill>
-          </a:ln>
-        </p:spPr>
-        <p:style>
-          <a:lnRef idx="2">
-            <a:schemeClr val="accent1">
-              <a:shade val="50000"/>
-            </a:schemeClr>
-          </a:lnRef>
-          <a:fillRef idx="1">
-            <a:schemeClr val="accent1"/>
-          </a:fillRef>
-          <a:effectRef idx="0">
-            <a:schemeClr val="accent1"/>
-          </a:effectRef>
-          <a:fontRef idx="minor">
-            <a:schemeClr val="lt1"/>
-          </a:fontRef>
-        </p:style>
-        <p:txBody>
-          <a:bodyPr rtlCol="0" anchor="ctr"/>
-          <a:lstStyle/>
-          <a:p>
-            <a:pPr algn="ctr"/>
-            <a:endParaRPr lang="en-NL"/>
-          </a:p>
-        </p:txBody>
-      </p:sp>
-      <p:cxnSp>
-        <p:nvCxnSpPr>
-          <p:cNvPr id="23" name="Straight Connector 22">
-            <a:extLst>
-              <a:ext uri="{FF2B5EF4-FFF2-40B4-BE49-F238E27FC236}">
-                <a16:creationId xmlns:a16="http://schemas.microsoft.com/office/drawing/2014/main" id="{A5628CE4-A96B-4EE8-A287-AEDB7B14B4D1}"/>
-              </a:ext>
-            </a:extLst>
-          </p:cNvPr>
-          <p:cNvCxnSpPr>
-            <a:cxnSpLocks/>
-            <a:stCxn id="9" idx="2"/>
-            <a:endCxn id="22" idx="3"/>
-          </p:cNvCxnSpPr>
-          <p:nvPr/>
-        </p:nvCxnSpPr>
-        <p:spPr>
-          <a:xfrm flipH="1">
-            <a:off x="10672975" y="2154573"/>
-            <a:ext cx="705765" cy="386709"/>
-          </a:xfrm>
-          <a:prstGeom prst="line">
-            <a:avLst/>
-          </a:prstGeom>
-          <a:ln>
-            <a:solidFill>
-              <a:schemeClr val="tx1"/>
-            </a:solidFill>
-            <a:prstDash val="sysDash"/>
-          </a:ln>
-        </p:spPr>
-        <p:style>
-          <a:lnRef idx="1">
-            <a:schemeClr val="accent1"/>
-          </a:lnRef>
-          <a:fillRef idx="0">
-            <a:schemeClr val="accent1"/>
-          </a:fillRef>
-          <a:effectRef idx="0">
-            <a:schemeClr val="accent1"/>
-          </a:effectRef>
-          <a:fontRef idx="minor">
-            <a:schemeClr val="tx1"/>
-          </a:fontRef>
-        </p:style>
-      </p:cxnSp>
-      <p:sp>
-        <p:nvSpPr>
-          <p:cNvPr id="27" name="Rectangle 26">
-            <a:extLst>
-              <a:ext uri="{FF2B5EF4-FFF2-40B4-BE49-F238E27FC236}">
-                <a16:creationId xmlns:a16="http://schemas.microsoft.com/office/drawing/2014/main" id="{69050B2C-4D73-41EA-8328-CAE9C9438E4D}"/>
-              </a:ext>
-            </a:extLst>
-          </p:cNvPr>
-          <p:cNvSpPr/>
-          <p:nvPr/>
-        </p:nvSpPr>
-        <p:spPr>
-          <a:xfrm>
-            <a:off x="7301920" y="3397539"/>
-            <a:ext cx="1674300" cy="1627467"/>
-          </a:xfrm>
-          <a:prstGeom prst="rect">
-            <a:avLst/>
-          </a:prstGeom>
-          <a:noFill/>
-          <a:ln w="3175">
-            <a:solidFill>
-              <a:schemeClr val="tx1"/>
-            </a:solidFill>
-          </a:ln>
-        </p:spPr>
-        <p:style>
-          <a:lnRef idx="2">
-            <a:schemeClr val="accent1">
-              <a:shade val="50000"/>
-            </a:schemeClr>
-          </a:lnRef>
-          <a:fillRef idx="1">
-            <a:schemeClr val="accent1"/>
-          </a:fillRef>
-          <a:effectRef idx="0">
-            <a:schemeClr val="accent1"/>
-          </a:effectRef>
-          <a:fontRef idx="minor">
-            <a:schemeClr val="lt1"/>
-          </a:fontRef>
-        </p:style>
-        <p:txBody>
-          <a:bodyPr rtlCol="0" anchor="ctr"/>
-          <a:lstStyle/>
-          <a:p>
-            <a:pPr algn="ctr"/>
-            <a:endParaRPr lang="en-NL"/>
-          </a:p>
-        </p:txBody>
-      </p:sp>
-      <p:sp>
-        <p:nvSpPr>
-          <p:cNvPr id="28" name="Rectangle 27">
-            <a:extLst>
-              <a:ext uri="{FF2B5EF4-FFF2-40B4-BE49-F238E27FC236}">
-                <a16:creationId xmlns:a16="http://schemas.microsoft.com/office/drawing/2014/main" id="{97D24F97-71D4-4E6C-ABB2-1C7B3C0076F3}"/>
-              </a:ext>
-            </a:extLst>
-          </p:cNvPr>
-          <p:cNvSpPr/>
-          <p:nvPr/>
-        </p:nvSpPr>
-        <p:spPr>
-          <a:xfrm>
-            <a:off x="8990987" y="3396142"/>
-            <a:ext cx="1681988" cy="1627467"/>
-          </a:xfrm>
-          <a:prstGeom prst="rect">
-            <a:avLst/>
-          </a:prstGeom>
-          <a:noFill/>
-          <a:ln w="3175">
-            <a:solidFill>
-              <a:schemeClr val="tx1"/>
-            </a:solidFill>
-          </a:ln>
-        </p:spPr>
-        <p:style>
-          <a:lnRef idx="2">
-            <a:schemeClr val="accent1">
-              <a:shade val="50000"/>
-            </a:schemeClr>
-          </a:lnRef>
-          <a:fillRef idx="1">
-            <a:schemeClr val="accent1"/>
-          </a:fillRef>
-          <a:effectRef idx="0">
-            <a:schemeClr val="accent1"/>
-          </a:effectRef>
-          <a:fontRef idx="minor">
-            <a:schemeClr val="lt1"/>
-          </a:fontRef>
-        </p:style>
-        <p:txBody>
-          <a:bodyPr rtlCol="0" anchor="ctr"/>
-          <a:lstStyle/>
-          <a:p>
-            <a:pPr algn="ctr"/>
-            <a:endParaRPr lang="en-NL"/>
-          </a:p>
-        </p:txBody>
-      </p:sp>
-      <p:cxnSp>
-        <p:nvCxnSpPr>
-          <p:cNvPr id="31" name="Straight Connector 30">
-            <a:extLst>
-              <a:ext uri="{FF2B5EF4-FFF2-40B4-BE49-F238E27FC236}">
-                <a16:creationId xmlns:a16="http://schemas.microsoft.com/office/drawing/2014/main" id="{09931A65-4E9C-44D6-A275-2242A83372F3}"/>
-              </a:ext>
-            </a:extLst>
-          </p:cNvPr>
-          <p:cNvCxnSpPr>
-            <a:cxnSpLocks/>
-            <a:stCxn id="10" idx="2"/>
-            <a:endCxn id="28" idx="3"/>
-          </p:cNvCxnSpPr>
-          <p:nvPr/>
-        </p:nvCxnSpPr>
-        <p:spPr>
-          <a:xfrm flipH="1" flipV="1">
-            <a:off x="10672975" y="4209876"/>
-            <a:ext cx="601985" cy="687899"/>
-          </a:xfrm>
-          <a:prstGeom prst="line">
-            <a:avLst/>
-          </a:prstGeom>
-          <a:ln>
-            <a:solidFill>
-              <a:schemeClr val="tx1"/>
-            </a:solidFill>
-            <a:prstDash val="sysDash"/>
-          </a:ln>
-        </p:spPr>
-        <p:style>
-          <a:lnRef idx="1">
-            <a:schemeClr val="accent1"/>
-          </a:lnRef>
-          <a:fillRef idx="0">
-            <a:schemeClr val="accent1"/>
-          </a:fillRef>
-          <a:effectRef idx="0">
-            <a:schemeClr val="accent1"/>
-          </a:effectRef>
-          <a:fontRef idx="minor">
-            <a:schemeClr val="tx1"/>
-          </a:fontRef>
-        </p:style>
-      </p:cxnSp>
-      <p:sp>
-        <p:nvSpPr>
-          <p:cNvPr id="35" name="Oval 34">
-            <a:extLst>
-              <a:ext uri="{FF2B5EF4-FFF2-40B4-BE49-F238E27FC236}">
-                <a16:creationId xmlns:a16="http://schemas.microsoft.com/office/drawing/2014/main" id="{E40F5B2E-0DB3-4069-857B-F542BF0D9F48}"/>
-              </a:ext>
-            </a:extLst>
-          </p:cNvPr>
-          <p:cNvSpPr/>
-          <p:nvPr/>
-        </p:nvSpPr>
-        <p:spPr>
-          <a:xfrm>
-            <a:off x="8005197" y="6099423"/>
-            <a:ext cx="260057" cy="251669"/>
-          </a:xfrm>
-          <a:prstGeom prst="ellipse">
-            <a:avLst/>
-          </a:prstGeom>
-          <a:noFill/>
-          <a:ln>
-            <a:solidFill>
-              <a:schemeClr val="tx1"/>
-            </a:solidFill>
-          </a:ln>
-        </p:spPr>
-        <p:style>
-          <a:lnRef idx="2">
-            <a:schemeClr val="accent1">
-              <a:shade val="50000"/>
-            </a:schemeClr>
-          </a:lnRef>
-          <a:fillRef idx="1">
-            <a:schemeClr val="accent1"/>
-          </a:fillRef>
-          <a:effectRef idx="0">
-            <a:schemeClr val="accent1"/>
-          </a:effectRef>
-          <a:fontRef idx="minor">
-            <a:schemeClr val="lt1"/>
-          </a:fontRef>
-        </p:style>
-        <p:txBody>
-          <a:bodyPr rtlCol="0" anchor="ctr"/>
-          <a:lstStyle/>
-          <a:p>
-            <a:pPr algn="ctr"/>
-            <a:r>
-              <a:rPr lang="en-US" dirty="0">
-                <a:solidFill>
-                  <a:schemeClr val="tx1"/>
-                </a:solidFill>
-              </a:rPr>
-              <a:t>6</a:t>
-            </a:r>
-            <a:endParaRPr lang="en-NL" dirty="0">
-              <a:solidFill>
-                <a:schemeClr val="tx1"/>
-              </a:solidFill>
-            </a:endParaRPr>
-          </a:p>
-        </p:txBody>
-      </p:sp>
-      <p:cxnSp>
-        <p:nvCxnSpPr>
-          <p:cNvPr id="36" name="Straight Connector 35">
-            <a:extLst>
-              <a:ext uri="{FF2B5EF4-FFF2-40B4-BE49-F238E27FC236}">
-                <a16:creationId xmlns:a16="http://schemas.microsoft.com/office/drawing/2014/main" id="{4203A078-502C-4548-8F99-9A2BE35E7894}"/>
-              </a:ext>
-            </a:extLst>
-          </p:cNvPr>
-          <p:cNvCxnSpPr>
-            <a:cxnSpLocks/>
-            <a:stCxn id="35" idx="0"/>
-            <a:endCxn id="27" idx="2"/>
-          </p:cNvCxnSpPr>
-          <p:nvPr/>
-        </p:nvCxnSpPr>
-        <p:spPr>
-          <a:xfrm flipV="1">
-            <a:off x="8135226" y="5025006"/>
-            <a:ext cx="3844" cy="1074417"/>
+            <a:off x="9569532" y="488307"/>
+            <a:ext cx="1320785" cy="1223840"/>
           </a:xfrm>
           <a:prstGeom prst="line">
             <a:avLst/>
